--- a/Short Course/Slides/Session 3.pptx
+++ b/Short Course/Slides/Session 3.pptx
@@ -212,7 +212,7 @@
           <a:p>
             <a:fld id="{DFFF6EC3-AF2C-D34C-ACB1-CE6A4C87CA44}" type="datetimeFigureOut">
               <a:rPr lang="en-US" smtClean="0"/>
-              <a:t>8/17/21</a:t>
+              <a:t>9/13/21</a:t>
             </a:fld>
             <a:endParaRPr lang="en-US"/>
           </a:p>
@@ -828,14 +828,14 @@
           <a:ln/>
           <a:extLst>
             <a:ext uri="{909E8E84-426E-40dd-AFC4-6F175D3DCCD1}">
-              <a14:hiddenFill xmlns="" xmlns:a14="http://schemas.microsoft.com/office/drawing/2010/main">
+              <a14:hiddenFill xmlns:a14="http://schemas.microsoft.com/office/drawing/2010/main" xmlns="">
                 <a:solidFill>
                   <a:srgbClr val="FFFFFF"/>
                 </a:solidFill>
               </a14:hiddenFill>
             </a:ext>
             <a:ext uri="{91240B29-F687-4f45-9708-019B960494DF}">
-              <a14:hiddenLine xmlns="" xmlns:a14="http://schemas.microsoft.com/office/drawing/2010/main" w="9525">
+              <a14:hiddenLine xmlns:a14="http://schemas.microsoft.com/office/drawing/2010/main" xmlns="" w="9525">
                 <a:solidFill>
                   <a:srgbClr val="000000"/>
                 </a:solidFill>
@@ -1012,14 +1012,14 @@
           <a:ln/>
           <a:extLst>
             <a:ext uri="{909E8E84-426E-40dd-AFC4-6F175D3DCCD1}">
-              <a14:hiddenFill xmlns="" xmlns:a14="http://schemas.microsoft.com/office/drawing/2010/main">
+              <a14:hiddenFill xmlns:a14="http://schemas.microsoft.com/office/drawing/2010/main" xmlns="">
                 <a:solidFill>
                   <a:srgbClr val="FFFFFF"/>
                 </a:solidFill>
               </a14:hiddenFill>
             </a:ext>
             <a:ext uri="{91240B29-F687-4f45-9708-019B960494DF}">
-              <a14:hiddenLine xmlns="" xmlns:a14="http://schemas.microsoft.com/office/drawing/2010/main" w="9525">
+              <a14:hiddenLine xmlns:a14="http://schemas.microsoft.com/office/drawing/2010/main" xmlns="" w="9525">
                 <a:solidFill>
                   <a:srgbClr val="000000"/>
                 </a:solidFill>
@@ -1029,7 +1029,7 @@
               </a14:hiddenLine>
             </a:ext>
             <a:ext uri="{FAA26D3D-D897-4be2-8F04-BA451C77F1D7}">
-              <ma14:placeholderFlag xmlns="" xmlns:ma14="http://schemas.microsoft.com/office/mac/drawingml/2011/main" val="1"/>
+              <ma14:placeholderFlag xmlns:ma14="http://schemas.microsoft.com/office/mac/drawingml/2011/main" xmlns="" val="1"/>
             </a:ext>
           </a:extLst>
         </p:spPr>
@@ -1114,14 +1114,14 @@
           <a:ln/>
           <a:extLst>
             <a:ext uri="{909E8E84-426E-40dd-AFC4-6F175D3DCCD1}">
-              <a14:hiddenFill xmlns="" xmlns:a14="http://schemas.microsoft.com/office/drawing/2010/main">
+              <a14:hiddenFill xmlns:a14="http://schemas.microsoft.com/office/drawing/2010/main" xmlns="">
                 <a:solidFill>
                   <a:srgbClr val="FFFFFF"/>
                 </a:solidFill>
               </a14:hiddenFill>
             </a:ext>
             <a:ext uri="{91240B29-F687-4f45-9708-019B960494DF}">
-              <a14:hiddenLine xmlns="" xmlns:a14="http://schemas.microsoft.com/office/drawing/2010/main" w="9525">
+              <a14:hiddenLine xmlns:a14="http://schemas.microsoft.com/office/drawing/2010/main" xmlns="" w="9525">
                 <a:solidFill>
                   <a:srgbClr val="000000"/>
                 </a:solidFill>
@@ -1298,14 +1298,14 @@
           <a:ln/>
           <a:extLst>
             <a:ext uri="{909E8E84-426E-40dd-AFC4-6F175D3DCCD1}">
-              <a14:hiddenFill xmlns="" xmlns:a14="http://schemas.microsoft.com/office/drawing/2010/main">
+              <a14:hiddenFill xmlns:a14="http://schemas.microsoft.com/office/drawing/2010/main" xmlns="">
                 <a:solidFill>
                   <a:srgbClr val="FFFFFF"/>
                 </a:solidFill>
               </a14:hiddenFill>
             </a:ext>
             <a:ext uri="{91240B29-F687-4f45-9708-019B960494DF}">
-              <a14:hiddenLine xmlns="" xmlns:a14="http://schemas.microsoft.com/office/drawing/2010/main" w="9525">
+              <a14:hiddenLine xmlns:a14="http://schemas.microsoft.com/office/drawing/2010/main" xmlns="" w="9525">
                 <a:solidFill>
                   <a:srgbClr val="000000"/>
                 </a:solidFill>
@@ -1315,7 +1315,7 @@
               </a14:hiddenLine>
             </a:ext>
             <a:ext uri="{FAA26D3D-D897-4be2-8F04-BA451C77F1D7}">
-              <ma14:placeholderFlag xmlns="" xmlns:ma14="http://schemas.microsoft.com/office/mac/drawingml/2011/main" val="1"/>
+              <ma14:placeholderFlag xmlns:ma14="http://schemas.microsoft.com/office/mac/drawingml/2011/main" xmlns="" val="1"/>
             </a:ext>
           </a:extLst>
         </p:spPr>
@@ -1507,7 +1507,7 @@
           <a:p>
             <a:fld id="{4F952709-192D-BB49-A928-3DD279052A68}" type="datetime1">
               <a:rPr lang="en-US" smtClean="0"/>
-              <a:t>8/17/21</a:t>
+              <a:t>9/13/21</a:t>
             </a:fld>
             <a:endParaRPr lang="en-US"/>
           </a:p>
@@ -1802,7 +1802,7 @@
           <a:p>
             <a:fld id="{76D3763E-8CE4-8F4B-A9ED-20206EC95B85}" type="datetime1">
               <a:rPr lang="en-US" smtClean="0"/>
-              <a:t>8/17/21</a:t>
+              <a:t>9/13/21</a:t>
             </a:fld>
             <a:endParaRPr lang="en-US"/>
           </a:p>
@@ -2013,7 +2013,7 @@
           <a:p>
             <a:fld id="{C04D0F9F-4142-0A42-8ABA-CA5B8C2169FD}" type="datetime1">
               <a:rPr lang="en-US" smtClean="0"/>
-              <a:t>8/17/21</a:t>
+              <a:t>9/13/21</a:t>
             </a:fld>
             <a:endParaRPr lang="en-US"/>
           </a:p>
@@ -2271,7 +2271,7 @@
             </a:pPr>
             <a:fld id="{D029DF97-62F9-6342-B2C1-07CE44184037}" type="datetime1">
               <a:rPr lang="en-US" smtClean="0"/>
-              <a:t>8/17/21</a:t>
+              <a:t>9/13/21</a:t>
             </a:fld>
             <a:endParaRPr lang="en-US"/>
           </a:p>
@@ -2486,7 +2486,7 @@
           <a:p>
             <a:fld id="{9154B7C1-1BF7-BD48-BA9F-18331EAC9F33}" type="datetime1">
               <a:rPr lang="en-US" smtClean="0"/>
-              <a:t>8/17/21</a:t>
+              <a:t>9/13/21</a:t>
             </a:fld>
             <a:endParaRPr lang="en-US"/>
           </a:p>
@@ -2858,7 +2858,7 @@
           <a:p>
             <a:fld id="{802A14F3-1F47-F842-ADEA-AAF203ED59B5}" type="datetime1">
               <a:rPr lang="en-US" smtClean="0"/>
-              <a:t>8/17/21</a:t>
+              <a:t>9/13/21</a:t>
             </a:fld>
             <a:endParaRPr lang="en-US"/>
           </a:p>
@@ -3126,7 +3126,7 @@
           <a:p>
             <a:fld id="{2683FBA4-7C36-5C41-8AEC-3B467CAABC0A}" type="datetime1">
               <a:rPr lang="en-US" smtClean="0"/>
-              <a:t>8/17/21</a:t>
+              <a:t>9/13/21</a:t>
             </a:fld>
             <a:endParaRPr lang="en-US"/>
           </a:p>
@@ -3541,7 +3541,7 @@
           <a:p>
             <a:fld id="{F1026C7B-4A30-5B4F-9749-75F0DC293A70}" type="datetime1">
               <a:rPr lang="en-US" smtClean="0"/>
-              <a:t>8/17/21</a:t>
+              <a:t>9/13/21</a:t>
             </a:fld>
             <a:endParaRPr lang="en-US"/>
           </a:p>
@@ -3694,7 +3694,7 @@
           <a:p>
             <a:fld id="{C632A35B-316C-EB49-8C5D-F55842E59C42}" type="datetime1">
               <a:rPr lang="en-US" smtClean="0"/>
-              <a:t>8/17/21</a:t>
+              <a:t>9/13/21</a:t>
             </a:fld>
             <a:endParaRPr lang="en-US"/>
           </a:p>
@@ -3904,7 +3904,7 @@
           <a:p>
             <a:fld id="{F1132B7D-4936-F645-96E6-A9CCC2D34715}" type="datetime1">
               <a:rPr lang="en-US" smtClean="0"/>
-              <a:t>8/17/21</a:t>
+              <a:t>9/13/21</a:t>
             </a:fld>
             <a:endParaRPr lang="en-US"/>
           </a:p>
@@ -4312,7 +4312,7 @@
           <a:p>
             <a:fld id="{4E9931F4-BE04-924B-BC05-EFCB16D0A55A}" type="datetime1">
               <a:rPr lang="en-US" smtClean="0"/>
-              <a:t>8/17/21</a:t>
+              <a:t>9/13/21</a:t>
             </a:fld>
             <a:endParaRPr lang="en-US"/>
           </a:p>
@@ -4606,7 +4606,7 @@
           <a:p>
             <a:fld id="{F01B67B0-1C03-374A-AA42-022587094300}" type="datetime1">
               <a:rPr lang="en-US" smtClean="0"/>
-              <a:t>8/17/21</a:t>
+              <a:t>9/13/21</a:t>
             </a:fld>
             <a:endParaRPr lang="en-US"/>
           </a:p>
@@ -4850,7 +4850,7 @@
           <a:p>
             <a:fld id="{47E55769-3897-E24B-820F-3C66D66E39D7}" type="datetime1">
               <a:rPr lang="en-US" smtClean="0"/>
-              <a:t>8/17/21</a:t>
+              <a:t>9/13/21</a:t>
             </a:fld>
             <a:endParaRPr lang="en-US"/>
           </a:p>
@@ -5462,14 +5462,14 @@
           <a:ln/>
           <a:extLst>
             <a:ext uri="{909E8E84-426E-40dd-AFC4-6F175D3DCCD1}">
-              <a14:hiddenFill xmlns="" xmlns:a14="http://schemas.microsoft.com/office/drawing/2010/main">
+              <a14:hiddenFill xmlns:a14="http://schemas.microsoft.com/office/drawing/2010/main" xmlns="">
                 <a:solidFill>
                   <a:srgbClr val="FFFFFF"/>
                 </a:solidFill>
               </a14:hiddenFill>
             </a:ext>
             <a:ext uri="{91240B29-F687-4f45-9708-019B960494DF}">
-              <a14:hiddenLine xmlns="" xmlns:a14="http://schemas.microsoft.com/office/drawing/2010/main" w="9525">
+              <a14:hiddenLine xmlns:a14="http://schemas.microsoft.com/office/drawing/2010/main" xmlns="" w="9525">
                 <a:solidFill>
                   <a:srgbClr val="000000"/>
                 </a:solidFill>
@@ -5622,14 +5622,14 @@
           <a:ln/>
           <a:extLst>
             <a:ext uri="{909E8E84-426E-40dd-AFC4-6F175D3DCCD1}">
-              <a14:hiddenFill xmlns="" xmlns:a14="http://schemas.microsoft.com/office/drawing/2010/main">
+              <a14:hiddenFill xmlns:a14="http://schemas.microsoft.com/office/drawing/2010/main" xmlns="">
                 <a:solidFill>
                   <a:srgbClr val="FFFFFF"/>
                 </a:solidFill>
               </a14:hiddenFill>
             </a:ext>
             <a:ext uri="{91240B29-F687-4f45-9708-019B960494DF}">
-              <a14:hiddenLine xmlns="" xmlns:a14="http://schemas.microsoft.com/office/drawing/2010/main" w="9525">
+              <a14:hiddenLine xmlns:a14="http://schemas.microsoft.com/office/drawing/2010/main" xmlns="" w="9525">
                 <a:solidFill>
                   <a:srgbClr val="000000"/>
                 </a:solidFill>
@@ -5874,7 +5874,7 @@
           <a:graphicData uri="http://schemas.openxmlformats.org/presentationml/2006/ole">
             <mc:AlternateContent xmlns:mc="http://schemas.openxmlformats.org/markup-compatibility/2006">
               <mc:Choice xmlns:v="urn:schemas-microsoft-com:vml" Requires="v">
-                <p:oleObj spid="_x0000_s2053" name="Equation" r:id="rId3" imgW="1244997" imgH="394097" progId="Equation.3">
+                <p:oleObj spid="_x0000_s2057" name="Equation" r:id="rId3" imgW="1244997" imgH="394097" progId="Equation.3">
                   <p:embed/>
                 </p:oleObj>
               </mc:Choice>
@@ -5917,14 +5917,14 @@
                       <a:effectLst/>
                       <a:extLst>
                         <a:ext uri="{909E8E84-426E-40dd-AFC4-6F175D3DCCD1}">
-                          <a14:hiddenFill xmlns="" xmlns:a14="http://schemas.microsoft.com/office/drawing/2010/main">
+                          <a14:hiddenFill xmlns:a14="http://schemas.microsoft.com/office/drawing/2010/main" xmlns="">
                             <a:solidFill>
                               <a:srgbClr val="FFFFFF"/>
                             </a:solidFill>
                           </a14:hiddenFill>
                         </a:ext>
                         <a:ext uri="{91240B29-F687-4f45-9708-019B960494DF}">
-                          <a14:hiddenLine xmlns="" xmlns:a14="http://schemas.microsoft.com/office/drawing/2010/main" w="9525">
+                          <a14:hiddenLine xmlns:a14="http://schemas.microsoft.com/office/drawing/2010/main" xmlns="" w="9525">
                             <a:solidFill>
                               <a:srgbClr val="000000"/>
                             </a:solidFill>
@@ -5934,7 +5934,7 @@
                           </a14:hiddenLine>
                         </a:ext>
                         <a:ext uri="{AF507438-7753-43e0-B8FC-AC1667EBCBE1}">
-                          <a14:hiddenEffects xmlns="" xmlns:a14="http://schemas.microsoft.com/office/drawing/2010/main">
+                          <a14:hiddenEffects xmlns:a14="http://schemas.microsoft.com/office/drawing/2010/main" xmlns="">
                             <a:effectLst>
                               <a:outerShdw blurRad="63500" dist="38099" dir="2700000" algn="ctr" rotWithShape="0">
                                 <a:srgbClr val="808080">
@@ -5976,7 +5976,7 @@
           <a:graphicData uri="http://schemas.openxmlformats.org/presentationml/2006/ole">
             <mc:AlternateContent xmlns:mc="http://schemas.openxmlformats.org/markup-compatibility/2006">
               <mc:Choice xmlns:v="urn:schemas-microsoft-com:vml" Requires="v">
-                <p:oleObj spid="_x0000_s2054" name="Equation" r:id="rId5" imgW="1651396" imgH="419497" progId="Equation.3">
+                <p:oleObj spid="_x0000_s2058" name="Equation" r:id="rId5" imgW="1651396" imgH="419497" progId="Equation.3">
                   <p:embed/>
                 </p:oleObj>
               </mc:Choice>
@@ -6019,14 +6019,14 @@
                       <a:effectLst/>
                       <a:extLst>
                         <a:ext uri="{909E8E84-426E-40dd-AFC4-6F175D3DCCD1}">
-                          <a14:hiddenFill xmlns="" xmlns:a14="http://schemas.microsoft.com/office/drawing/2010/main">
+                          <a14:hiddenFill xmlns:a14="http://schemas.microsoft.com/office/drawing/2010/main" xmlns="">
                             <a:solidFill>
                               <a:srgbClr val="FFFFFF"/>
                             </a:solidFill>
                           </a14:hiddenFill>
                         </a:ext>
                         <a:ext uri="{91240B29-F687-4f45-9708-019B960494DF}">
-                          <a14:hiddenLine xmlns="" xmlns:a14="http://schemas.microsoft.com/office/drawing/2010/main" w="9525">
+                          <a14:hiddenLine xmlns:a14="http://schemas.microsoft.com/office/drawing/2010/main" xmlns="" w="9525">
                             <a:solidFill>
                               <a:srgbClr val="000000"/>
                             </a:solidFill>
@@ -6036,7 +6036,7 @@
                           </a14:hiddenLine>
                         </a:ext>
                         <a:ext uri="{AF507438-7753-43e0-B8FC-AC1667EBCBE1}">
-                          <a14:hiddenEffects xmlns="" xmlns:a14="http://schemas.microsoft.com/office/drawing/2010/main">
+                          <a14:hiddenEffects xmlns:a14="http://schemas.microsoft.com/office/drawing/2010/main" xmlns="">
                             <a:effectLst>
                               <a:outerShdw blurRad="63500" dist="38099" dir="2700000" algn="ctr" rotWithShape="0">
                                 <a:srgbClr val="808080">
@@ -6308,14 +6308,14 @@
           <a:ln/>
           <a:extLst>
             <a:ext uri="{909E8E84-426E-40dd-AFC4-6F175D3DCCD1}">
-              <a14:hiddenFill xmlns="" xmlns:a14="http://schemas.microsoft.com/office/drawing/2010/main">
+              <a14:hiddenFill xmlns:a14="http://schemas.microsoft.com/office/drawing/2010/main" xmlns="">
                 <a:solidFill>
                   <a:srgbClr val="FFFFFF"/>
                 </a:solidFill>
               </a14:hiddenFill>
             </a:ext>
             <a:ext uri="{91240B29-F687-4f45-9708-019B960494DF}">
-              <a14:hiddenLine xmlns="" xmlns:a14="http://schemas.microsoft.com/office/drawing/2010/main" w="9525">
+              <a14:hiddenLine xmlns:a14="http://schemas.microsoft.com/office/drawing/2010/main" xmlns="" w="9525">
                 <a:solidFill>
                   <a:srgbClr val="000000"/>
                 </a:solidFill>
@@ -6468,14 +6468,14 @@
           <a:ln/>
           <a:extLst>
             <a:ext uri="{909E8E84-426E-40dd-AFC4-6F175D3DCCD1}">
-              <a14:hiddenFill xmlns="" xmlns:a14="http://schemas.microsoft.com/office/drawing/2010/main">
+              <a14:hiddenFill xmlns:a14="http://schemas.microsoft.com/office/drawing/2010/main" xmlns="">
                 <a:solidFill>
                   <a:srgbClr val="FFFFFF"/>
                 </a:solidFill>
               </a14:hiddenFill>
             </a:ext>
             <a:ext uri="{91240B29-F687-4f45-9708-019B960494DF}">
-              <a14:hiddenLine xmlns="" xmlns:a14="http://schemas.microsoft.com/office/drawing/2010/main" w="9525">
+              <a14:hiddenLine xmlns:a14="http://schemas.microsoft.com/office/drawing/2010/main" xmlns="" w="9525">
                 <a:solidFill>
                   <a:srgbClr val="000000"/>
                 </a:solidFill>
@@ -7977,7 +7977,7 @@
           <a:graphicData uri="http://schemas.openxmlformats.org/presentationml/2006/ole">
             <mc:AlternateContent xmlns:mc="http://schemas.openxmlformats.org/markup-compatibility/2006">
               <mc:Choice xmlns:v="urn:schemas-microsoft-com:vml" Requires="v">
-                <p:oleObj spid="_x0000_s3077" name="Equation" r:id="rId3" imgW="850900" imgH="368300" progId="Equation.3">
+                <p:oleObj spid="_x0000_s3081" name="Equation" r:id="rId3" imgW="850900" imgH="368300" progId="Equation.3">
                   <p:embed/>
                 </p:oleObj>
               </mc:Choice>
@@ -8020,14 +8020,14 @@
                       <a:effectLst/>
                       <a:extLst>
                         <a:ext uri="{909E8E84-426E-40dd-AFC4-6F175D3DCCD1}">
-                          <a14:hiddenFill xmlns="" xmlns:a14="http://schemas.microsoft.com/office/drawing/2010/main">
+                          <a14:hiddenFill xmlns:a14="http://schemas.microsoft.com/office/drawing/2010/main" xmlns="">
                             <a:solidFill>
                               <a:schemeClr val="accent1"/>
                             </a:solidFill>
                           </a14:hiddenFill>
                         </a:ext>
                         <a:ext uri="{91240B29-F687-4f45-9708-019B960494DF}">
-                          <a14:hiddenLine xmlns="" xmlns:a14="http://schemas.microsoft.com/office/drawing/2010/main" w="9525">
+                          <a14:hiddenLine xmlns:a14="http://schemas.microsoft.com/office/drawing/2010/main" xmlns="" w="9525">
                             <a:solidFill>
                               <a:schemeClr val="tx1"/>
                             </a:solidFill>
@@ -8037,7 +8037,7 @@
                           </a14:hiddenLine>
                         </a:ext>
                         <a:ext uri="{AF507438-7753-43e0-B8FC-AC1667EBCBE1}">
-                          <a14:hiddenEffects xmlns="" xmlns:a14="http://schemas.microsoft.com/office/drawing/2010/main">
+                          <a14:hiddenEffects xmlns:a14="http://schemas.microsoft.com/office/drawing/2010/main" xmlns="">
                             <a:effectLst>
                               <a:outerShdw blurRad="63500" dist="38099" dir="2700000" algn="ctr" rotWithShape="0">
                                 <a:schemeClr val="bg2">
@@ -8072,7 +8072,7 @@
           <a:graphicData uri="http://schemas.openxmlformats.org/presentationml/2006/ole">
             <mc:AlternateContent xmlns:mc="http://schemas.openxmlformats.org/markup-compatibility/2006">
               <mc:Choice xmlns:v="urn:schemas-microsoft-com:vml" Requires="v">
-                <p:oleObj spid="_x0000_s3078" name="Equation" r:id="rId5" imgW="952500" imgH="368300" progId="Equation.3">
+                <p:oleObj spid="_x0000_s3082" name="Equation" r:id="rId5" imgW="952500" imgH="368300" progId="Equation.3">
                   <p:embed/>
                 </p:oleObj>
               </mc:Choice>
@@ -8115,14 +8115,14 @@
                       <a:effectLst/>
                       <a:extLst>
                         <a:ext uri="{909E8E84-426E-40dd-AFC4-6F175D3DCCD1}">
-                          <a14:hiddenFill xmlns="" xmlns:a14="http://schemas.microsoft.com/office/drawing/2010/main">
+                          <a14:hiddenFill xmlns:a14="http://schemas.microsoft.com/office/drawing/2010/main" xmlns="">
                             <a:solidFill>
                               <a:schemeClr val="accent1"/>
                             </a:solidFill>
                           </a14:hiddenFill>
                         </a:ext>
                         <a:ext uri="{91240B29-F687-4f45-9708-019B960494DF}">
-                          <a14:hiddenLine xmlns="" xmlns:a14="http://schemas.microsoft.com/office/drawing/2010/main" w="9525">
+                          <a14:hiddenLine xmlns:a14="http://schemas.microsoft.com/office/drawing/2010/main" xmlns="" w="9525">
                             <a:solidFill>
                               <a:schemeClr val="tx1"/>
                             </a:solidFill>
@@ -8132,7 +8132,7 @@
                           </a14:hiddenLine>
                         </a:ext>
                         <a:ext uri="{AF507438-7753-43e0-B8FC-AC1667EBCBE1}">
-                          <a14:hiddenEffects xmlns="" xmlns:a14="http://schemas.microsoft.com/office/drawing/2010/main">
+                          <a14:hiddenEffects xmlns:a14="http://schemas.microsoft.com/office/drawing/2010/main" xmlns="">
                             <a:effectLst>
                               <a:outerShdw blurRad="63500" dist="38099" dir="2700000" algn="ctr" rotWithShape="0">
                                 <a:schemeClr val="bg2">
@@ -8191,12 +8191,7 @@
             <p:ph type="title"/>
           </p:nvPr>
         </p:nvSpPr>
-        <p:spPr>
-          <a:xfrm>
-            <a:off x="4256037" y="723207"/>
-            <a:ext cx="6948677" cy="609398"/>
-          </a:xfrm>
-        </p:spPr>
+        <p:spPr/>
         <p:txBody>
           <a:bodyPr vert="horz" lIns="0" tIns="0" rIns="0" bIns="0" rtlCol="0" anchor="ctr">
             <a:spAutoFit/>
@@ -8239,12 +8234,7 @@
             <p:ph idx="1"/>
           </p:nvPr>
         </p:nvSpPr>
-        <p:spPr>
-          <a:xfrm>
-            <a:off x="1981200" y="1600200"/>
-            <a:ext cx="8229600" cy="2489912"/>
-          </a:xfrm>
-        </p:spPr>
+        <p:spPr/>
         <p:txBody>
           <a:bodyPr vert="horz" lIns="0" tIns="0" rIns="0" bIns="0" rtlCol="0">
             <a:spAutoFit/>
@@ -8446,14 +8436,14 @@
           <a:ln/>
           <a:extLst>
             <a:ext uri="{909E8E84-426E-40dd-AFC4-6F175D3DCCD1}">
-              <a14:hiddenFill xmlns="" xmlns:a14="http://schemas.microsoft.com/office/drawing/2010/main">
+              <a14:hiddenFill xmlns:a14="http://schemas.microsoft.com/office/drawing/2010/main" xmlns="">
                 <a:solidFill>
                   <a:srgbClr val="FFFFFF"/>
                 </a:solidFill>
               </a14:hiddenFill>
             </a:ext>
             <a:ext uri="{91240B29-F687-4f45-9708-019B960494DF}">
-              <a14:hiddenLine xmlns="" xmlns:a14="http://schemas.microsoft.com/office/drawing/2010/main" w="9525">
+              <a14:hiddenLine xmlns:a14="http://schemas.microsoft.com/office/drawing/2010/main" xmlns="" w="9525">
                 <a:solidFill>
                   <a:srgbClr val="000000"/>
                 </a:solidFill>
@@ -8606,14 +8596,14 @@
           <a:ln/>
           <a:extLst>
             <a:ext uri="{909E8E84-426E-40dd-AFC4-6F175D3DCCD1}">
-              <a14:hiddenFill xmlns="" xmlns:a14="http://schemas.microsoft.com/office/drawing/2010/main">
+              <a14:hiddenFill xmlns:a14="http://schemas.microsoft.com/office/drawing/2010/main" xmlns="">
                 <a:solidFill>
                   <a:srgbClr val="FFFFFF"/>
                 </a:solidFill>
               </a14:hiddenFill>
             </a:ext>
             <a:ext uri="{91240B29-F687-4f45-9708-019B960494DF}">
-              <a14:hiddenLine xmlns="" xmlns:a14="http://schemas.microsoft.com/office/drawing/2010/main" w="9525">
+              <a14:hiddenLine xmlns:a14="http://schemas.microsoft.com/office/drawing/2010/main" xmlns="" w="9525">
                 <a:solidFill>
                   <a:srgbClr val="000000"/>
                 </a:solidFill>
@@ -8813,328 +8803,6 @@
       </p:grpSpPr>
       <p:sp>
         <p:nvSpPr>
-          <p:cNvPr id="5125" name="Footer Placeholder 4"/>
-          <p:cNvSpPr>
-            <a:spLocks noGrp="1"/>
-          </p:cNvSpPr>
-          <p:nvPr>
-            <p:ph type="ftr" sz="quarter" idx="11"/>
-          </p:nvPr>
-        </p:nvSpPr>
-        <p:spPr>
-          <a:noFill/>
-          <a:ln/>
-          <a:extLst>
-            <a:ext uri="{909E8E84-426E-40dd-AFC4-6F175D3DCCD1}">
-              <a14:hiddenFill xmlns="" xmlns:a14="http://schemas.microsoft.com/office/drawing/2010/main">
-                <a:solidFill>
-                  <a:srgbClr val="FFFFFF"/>
-                </a:solidFill>
-              </a14:hiddenFill>
-            </a:ext>
-            <a:ext uri="{91240B29-F687-4f45-9708-019B960494DF}">
-              <a14:hiddenLine xmlns="" xmlns:a14="http://schemas.microsoft.com/office/drawing/2010/main" w="9525">
-                <a:solidFill>
-                  <a:srgbClr val="000000"/>
-                </a:solidFill>
-                <a:miter lim="800000"/>
-                <a:headEnd/>
-                <a:tailEnd/>
-              </a14:hiddenLine>
-            </a:ext>
-          </a:extLst>
-        </p:spPr>
-        <p:txBody>
-          <a:bodyPr/>
-          <a:lstStyle>
-            <a:lvl1pPr eaLnBrk="0" hangingPunct="0">
-              <a:defRPr>
-                <a:solidFill>
-                  <a:schemeClr val="tx1"/>
-                </a:solidFill>
-                <a:latin typeface="Arial" charset="0"/>
-                <a:ea typeface="ＭＳ Ｐゴシック" charset="0"/>
-                <a:cs typeface="Arial" charset="0"/>
-              </a:defRPr>
-            </a:lvl1pPr>
-            <a:lvl2pPr marL="742950" indent="-285750" eaLnBrk="0" hangingPunct="0">
-              <a:defRPr>
-                <a:solidFill>
-                  <a:schemeClr val="tx1"/>
-                </a:solidFill>
-                <a:latin typeface="Arial" charset="0"/>
-                <a:ea typeface="Arial" charset="0"/>
-                <a:cs typeface="Arial" charset="0"/>
-              </a:defRPr>
-            </a:lvl2pPr>
-            <a:lvl3pPr marL="1143000" indent="-228600" eaLnBrk="0" hangingPunct="0">
-              <a:defRPr>
-                <a:solidFill>
-                  <a:schemeClr val="tx1"/>
-                </a:solidFill>
-                <a:latin typeface="Arial" charset="0"/>
-                <a:ea typeface="Arial" charset="0"/>
-                <a:cs typeface="Arial" charset="0"/>
-              </a:defRPr>
-            </a:lvl3pPr>
-            <a:lvl4pPr marL="1600200" indent="-228600" eaLnBrk="0" hangingPunct="0">
-              <a:defRPr>
-                <a:solidFill>
-                  <a:schemeClr val="tx1"/>
-                </a:solidFill>
-                <a:latin typeface="Arial" charset="0"/>
-                <a:ea typeface="Arial" charset="0"/>
-                <a:cs typeface="Arial" charset="0"/>
-              </a:defRPr>
-            </a:lvl4pPr>
-            <a:lvl5pPr marL="2057400" indent="-228600" eaLnBrk="0" hangingPunct="0">
-              <a:defRPr>
-                <a:solidFill>
-                  <a:schemeClr val="tx1"/>
-                </a:solidFill>
-                <a:latin typeface="Arial" charset="0"/>
-                <a:ea typeface="Arial" charset="0"/>
-                <a:cs typeface="Arial" charset="0"/>
-              </a:defRPr>
-            </a:lvl5pPr>
-            <a:lvl6pPr marL="2514600" indent="-228600" eaLnBrk="0" fontAlgn="base" hangingPunct="0">
-              <a:spcBef>
-                <a:spcPct val="0"/>
-              </a:spcBef>
-              <a:spcAft>
-                <a:spcPct val="0"/>
-              </a:spcAft>
-              <a:defRPr>
-                <a:solidFill>
-                  <a:schemeClr val="tx1"/>
-                </a:solidFill>
-                <a:latin typeface="Arial" charset="0"/>
-                <a:ea typeface="Arial" charset="0"/>
-                <a:cs typeface="Arial" charset="0"/>
-              </a:defRPr>
-            </a:lvl6pPr>
-            <a:lvl7pPr marL="2971800" indent="-228600" eaLnBrk="0" fontAlgn="base" hangingPunct="0">
-              <a:spcBef>
-                <a:spcPct val="0"/>
-              </a:spcBef>
-              <a:spcAft>
-                <a:spcPct val="0"/>
-              </a:spcAft>
-              <a:defRPr>
-                <a:solidFill>
-                  <a:schemeClr val="tx1"/>
-                </a:solidFill>
-                <a:latin typeface="Arial" charset="0"/>
-                <a:ea typeface="Arial" charset="0"/>
-                <a:cs typeface="Arial" charset="0"/>
-              </a:defRPr>
-            </a:lvl7pPr>
-            <a:lvl8pPr marL="3429000" indent="-228600" eaLnBrk="0" fontAlgn="base" hangingPunct="0">
-              <a:spcBef>
-                <a:spcPct val="0"/>
-              </a:spcBef>
-              <a:spcAft>
-                <a:spcPct val="0"/>
-              </a:spcAft>
-              <a:defRPr>
-                <a:solidFill>
-                  <a:schemeClr val="tx1"/>
-                </a:solidFill>
-                <a:latin typeface="Arial" charset="0"/>
-                <a:ea typeface="Arial" charset="0"/>
-                <a:cs typeface="Arial" charset="0"/>
-              </a:defRPr>
-            </a:lvl8pPr>
-            <a:lvl9pPr marL="3886200" indent="-228600" eaLnBrk="0" fontAlgn="base" hangingPunct="0">
-              <a:spcBef>
-                <a:spcPct val="0"/>
-              </a:spcBef>
-              <a:spcAft>
-                <a:spcPct val="0"/>
-              </a:spcAft>
-              <a:defRPr>
-                <a:solidFill>
-                  <a:schemeClr val="tx1"/>
-                </a:solidFill>
-                <a:latin typeface="Arial" charset="0"/>
-                <a:ea typeface="Arial" charset="0"/>
-                <a:cs typeface="Arial" charset="0"/>
-              </a:defRPr>
-            </a:lvl9pPr>
-          </a:lstStyle>
-          <a:p>
-            <a:pPr eaLnBrk="1" hangingPunct="1"/>
-            <a:r>
-              <a:rPr lang="en-US"/>
-              <a:t>DES Short Course - Session 3</a:t>
-            </a:r>
-          </a:p>
-        </p:txBody>
-      </p:sp>
-      <p:sp>
-        <p:nvSpPr>
-          <p:cNvPr id="5126" name="Slide Number Placeholder 5"/>
-          <p:cNvSpPr>
-            <a:spLocks noGrp="1"/>
-          </p:cNvSpPr>
-          <p:nvPr>
-            <p:ph type="sldNum" sz="quarter" idx="12"/>
-          </p:nvPr>
-        </p:nvSpPr>
-        <p:spPr>
-          <a:noFill/>
-          <a:ln/>
-          <a:extLst>
-            <a:ext uri="{909E8E84-426E-40dd-AFC4-6F175D3DCCD1}">
-              <a14:hiddenFill xmlns="" xmlns:a14="http://schemas.microsoft.com/office/drawing/2010/main">
-                <a:solidFill>
-                  <a:srgbClr val="FFFFFF"/>
-                </a:solidFill>
-              </a14:hiddenFill>
-            </a:ext>
-            <a:ext uri="{91240B29-F687-4f45-9708-019B960494DF}">
-              <a14:hiddenLine xmlns="" xmlns:a14="http://schemas.microsoft.com/office/drawing/2010/main" w="9525">
-                <a:solidFill>
-                  <a:srgbClr val="000000"/>
-                </a:solidFill>
-                <a:miter lim="800000"/>
-                <a:headEnd/>
-                <a:tailEnd/>
-              </a14:hiddenLine>
-            </a:ext>
-          </a:extLst>
-        </p:spPr>
-        <p:txBody>
-          <a:bodyPr/>
-          <a:lstStyle>
-            <a:lvl1pPr eaLnBrk="0" hangingPunct="0">
-              <a:defRPr>
-                <a:solidFill>
-                  <a:schemeClr val="tx1"/>
-                </a:solidFill>
-                <a:latin typeface="Arial" charset="0"/>
-                <a:ea typeface="ＭＳ Ｐゴシック" charset="0"/>
-                <a:cs typeface="Arial" charset="0"/>
-              </a:defRPr>
-            </a:lvl1pPr>
-            <a:lvl2pPr marL="742950" indent="-285750" eaLnBrk="0" hangingPunct="0">
-              <a:defRPr>
-                <a:solidFill>
-                  <a:schemeClr val="tx1"/>
-                </a:solidFill>
-                <a:latin typeface="Arial" charset="0"/>
-                <a:ea typeface="Arial" charset="0"/>
-                <a:cs typeface="Arial" charset="0"/>
-              </a:defRPr>
-            </a:lvl2pPr>
-            <a:lvl3pPr marL="1143000" indent="-228600" eaLnBrk="0" hangingPunct="0">
-              <a:defRPr>
-                <a:solidFill>
-                  <a:schemeClr val="tx1"/>
-                </a:solidFill>
-                <a:latin typeface="Arial" charset="0"/>
-                <a:ea typeface="Arial" charset="0"/>
-                <a:cs typeface="Arial" charset="0"/>
-              </a:defRPr>
-            </a:lvl3pPr>
-            <a:lvl4pPr marL="1600200" indent="-228600" eaLnBrk="0" hangingPunct="0">
-              <a:defRPr>
-                <a:solidFill>
-                  <a:schemeClr val="tx1"/>
-                </a:solidFill>
-                <a:latin typeface="Arial" charset="0"/>
-                <a:ea typeface="Arial" charset="0"/>
-                <a:cs typeface="Arial" charset="0"/>
-              </a:defRPr>
-            </a:lvl4pPr>
-            <a:lvl5pPr marL="2057400" indent="-228600" eaLnBrk="0" hangingPunct="0">
-              <a:defRPr>
-                <a:solidFill>
-                  <a:schemeClr val="tx1"/>
-                </a:solidFill>
-                <a:latin typeface="Arial" charset="0"/>
-                <a:ea typeface="Arial" charset="0"/>
-                <a:cs typeface="Arial" charset="0"/>
-              </a:defRPr>
-            </a:lvl5pPr>
-            <a:lvl6pPr marL="2514600" indent="-228600" eaLnBrk="0" fontAlgn="base" hangingPunct="0">
-              <a:spcBef>
-                <a:spcPct val="0"/>
-              </a:spcBef>
-              <a:spcAft>
-                <a:spcPct val="0"/>
-              </a:spcAft>
-              <a:defRPr>
-                <a:solidFill>
-                  <a:schemeClr val="tx1"/>
-                </a:solidFill>
-                <a:latin typeface="Arial" charset="0"/>
-                <a:ea typeface="Arial" charset="0"/>
-                <a:cs typeface="Arial" charset="0"/>
-              </a:defRPr>
-            </a:lvl6pPr>
-            <a:lvl7pPr marL="2971800" indent="-228600" eaLnBrk="0" fontAlgn="base" hangingPunct="0">
-              <a:spcBef>
-                <a:spcPct val="0"/>
-              </a:spcBef>
-              <a:spcAft>
-                <a:spcPct val="0"/>
-              </a:spcAft>
-              <a:defRPr>
-                <a:solidFill>
-                  <a:schemeClr val="tx1"/>
-                </a:solidFill>
-                <a:latin typeface="Arial" charset="0"/>
-                <a:ea typeface="Arial" charset="0"/>
-                <a:cs typeface="Arial" charset="0"/>
-              </a:defRPr>
-            </a:lvl7pPr>
-            <a:lvl8pPr marL="3429000" indent="-228600" eaLnBrk="0" fontAlgn="base" hangingPunct="0">
-              <a:spcBef>
-                <a:spcPct val="0"/>
-              </a:spcBef>
-              <a:spcAft>
-                <a:spcPct val="0"/>
-              </a:spcAft>
-              <a:defRPr>
-                <a:solidFill>
-                  <a:schemeClr val="tx1"/>
-                </a:solidFill>
-                <a:latin typeface="Arial" charset="0"/>
-                <a:ea typeface="Arial" charset="0"/>
-                <a:cs typeface="Arial" charset="0"/>
-              </a:defRPr>
-            </a:lvl8pPr>
-            <a:lvl9pPr marL="3886200" indent="-228600" eaLnBrk="0" fontAlgn="base" hangingPunct="0">
-              <a:spcBef>
-                <a:spcPct val="0"/>
-              </a:spcBef>
-              <a:spcAft>
-                <a:spcPct val="0"/>
-              </a:spcAft>
-              <a:defRPr>
-                <a:solidFill>
-                  <a:schemeClr val="tx1"/>
-                </a:solidFill>
-                <a:latin typeface="Arial" charset="0"/>
-                <a:ea typeface="Arial" charset="0"/>
-                <a:cs typeface="Arial" charset="0"/>
-              </a:defRPr>
-            </a:lvl9pPr>
-          </a:lstStyle>
-          <a:p>
-            <a:pPr eaLnBrk="1" hangingPunct="1"/>
-            <a:fld id="{0CC95DD8-4E75-6F4B-8542-EBEFC79B842B}" type="slidenum">
-              <a:rPr lang="en-US"/>
-              <a:pPr eaLnBrk="1" hangingPunct="1"/>
-              <a:t>14</a:t>
-            </a:fld>
-            <a:endParaRPr lang="en-US"/>
-          </a:p>
-        </p:txBody>
-      </p:sp>
-      <p:sp>
-        <p:nvSpPr>
           <p:cNvPr id="5127" name="Rectangle 2"/>
           <p:cNvSpPr>
             <a:spLocks noGrp="1" noChangeArrowheads="1"/>
@@ -9143,12 +8811,7 @@
             <p:ph type="title"/>
           </p:nvPr>
         </p:nvSpPr>
-        <p:spPr>
-          <a:xfrm>
-            <a:off x="1981200" y="542232"/>
-            <a:ext cx="8231188" cy="609398"/>
-          </a:xfrm>
-        </p:spPr>
+        <p:spPr/>
         <p:txBody>
           <a:bodyPr vert="horz" lIns="0" tIns="0" rIns="0" bIns="0" rtlCol="0" anchor="ctr">
             <a:spAutoFit/>
@@ -9188,15 +8851,10 @@
             <a:spLocks noGrp="1" noChangeArrowheads="1"/>
           </p:cNvSpPr>
           <p:nvPr>
-            <p:ph type="body" idx="1"/>
-          </p:nvPr>
-        </p:nvSpPr>
-        <p:spPr>
-          <a:xfrm>
-            <a:off x="1981200" y="1600200"/>
-            <a:ext cx="8231188" cy="3274230"/>
-          </a:xfrm>
-        </p:spPr>
+            <p:ph idx="1"/>
+          </p:nvPr>
+        </p:nvSpPr>
+        <p:spPr/>
         <p:txBody>
           <a:bodyPr vert="horz" lIns="0" tIns="0" rIns="0" bIns="0" rtlCol="0">
             <a:spAutoFit/>
@@ -9369,6 +9027,328 @@
               </a:rPr>
               <a:t>Asymptomatically (i.e. As t -&gt;∞)</a:t>
             </a:r>
+          </a:p>
+        </p:txBody>
+      </p:sp>
+      <p:sp>
+        <p:nvSpPr>
+          <p:cNvPr id="5125" name="Footer Placeholder 4"/>
+          <p:cNvSpPr>
+            <a:spLocks noGrp="1"/>
+          </p:cNvSpPr>
+          <p:nvPr>
+            <p:ph type="ftr" sz="quarter" idx="11"/>
+          </p:nvPr>
+        </p:nvSpPr>
+        <p:spPr>
+          <a:noFill/>
+          <a:ln/>
+          <a:extLst>
+            <a:ext uri="{909E8E84-426E-40dd-AFC4-6F175D3DCCD1}">
+              <a14:hiddenFill xmlns:a14="http://schemas.microsoft.com/office/drawing/2010/main" xmlns="">
+                <a:solidFill>
+                  <a:srgbClr val="FFFFFF"/>
+                </a:solidFill>
+              </a14:hiddenFill>
+            </a:ext>
+            <a:ext uri="{91240B29-F687-4f45-9708-019B960494DF}">
+              <a14:hiddenLine xmlns:a14="http://schemas.microsoft.com/office/drawing/2010/main" xmlns="" w="9525">
+                <a:solidFill>
+                  <a:srgbClr val="000000"/>
+                </a:solidFill>
+                <a:miter lim="800000"/>
+                <a:headEnd/>
+                <a:tailEnd/>
+              </a14:hiddenLine>
+            </a:ext>
+          </a:extLst>
+        </p:spPr>
+        <p:txBody>
+          <a:bodyPr/>
+          <a:lstStyle>
+            <a:lvl1pPr eaLnBrk="0" hangingPunct="0">
+              <a:defRPr>
+                <a:solidFill>
+                  <a:schemeClr val="tx1"/>
+                </a:solidFill>
+                <a:latin typeface="Arial" charset="0"/>
+                <a:ea typeface="ＭＳ Ｐゴシック" charset="0"/>
+                <a:cs typeface="Arial" charset="0"/>
+              </a:defRPr>
+            </a:lvl1pPr>
+            <a:lvl2pPr marL="742950" indent="-285750" eaLnBrk="0" hangingPunct="0">
+              <a:defRPr>
+                <a:solidFill>
+                  <a:schemeClr val="tx1"/>
+                </a:solidFill>
+                <a:latin typeface="Arial" charset="0"/>
+                <a:ea typeface="Arial" charset="0"/>
+                <a:cs typeface="Arial" charset="0"/>
+              </a:defRPr>
+            </a:lvl2pPr>
+            <a:lvl3pPr marL="1143000" indent="-228600" eaLnBrk="0" hangingPunct="0">
+              <a:defRPr>
+                <a:solidFill>
+                  <a:schemeClr val="tx1"/>
+                </a:solidFill>
+                <a:latin typeface="Arial" charset="0"/>
+                <a:ea typeface="Arial" charset="0"/>
+                <a:cs typeface="Arial" charset="0"/>
+              </a:defRPr>
+            </a:lvl3pPr>
+            <a:lvl4pPr marL="1600200" indent="-228600" eaLnBrk="0" hangingPunct="0">
+              <a:defRPr>
+                <a:solidFill>
+                  <a:schemeClr val="tx1"/>
+                </a:solidFill>
+                <a:latin typeface="Arial" charset="0"/>
+                <a:ea typeface="Arial" charset="0"/>
+                <a:cs typeface="Arial" charset="0"/>
+              </a:defRPr>
+            </a:lvl4pPr>
+            <a:lvl5pPr marL="2057400" indent="-228600" eaLnBrk="0" hangingPunct="0">
+              <a:defRPr>
+                <a:solidFill>
+                  <a:schemeClr val="tx1"/>
+                </a:solidFill>
+                <a:latin typeface="Arial" charset="0"/>
+                <a:ea typeface="Arial" charset="0"/>
+                <a:cs typeface="Arial" charset="0"/>
+              </a:defRPr>
+            </a:lvl5pPr>
+            <a:lvl6pPr marL="2514600" indent="-228600" eaLnBrk="0" fontAlgn="base" hangingPunct="0">
+              <a:spcBef>
+                <a:spcPct val="0"/>
+              </a:spcBef>
+              <a:spcAft>
+                <a:spcPct val="0"/>
+              </a:spcAft>
+              <a:defRPr>
+                <a:solidFill>
+                  <a:schemeClr val="tx1"/>
+                </a:solidFill>
+                <a:latin typeface="Arial" charset="0"/>
+                <a:ea typeface="Arial" charset="0"/>
+                <a:cs typeface="Arial" charset="0"/>
+              </a:defRPr>
+            </a:lvl6pPr>
+            <a:lvl7pPr marL="2971800" indent="-228600" eaLnBrk="0" fontAlgn="base" hangingPunct="0">
+              <a:spcBef>
+                <a:spcPct val="0"/>
+              </a:spcBef>
+              <a:spcAft>
+                <a:spcPct val="0"/>
+              </a:spcAft>
+              <a:defRPr>
+                <a:solidFill>
+                  <a:schemeClr val="tx1"/>
+                </a:solidFill>
+                <a:latin typeface="Arial" charset="0"/>
+                <a:ea typeface="Arial" charset="0"/>
+                <a:cs typeface="Arial" charset="0"/>
+              </a:defRPr>
+            </a:lvl7pPr>
+            <a:lvl8pPr marL="3429000" indent="-228600" eaLnBrk="0" fontAlgn="base" hangingPunct="0">
+              <a:spcBef>
+                <a:spcPct val="0"/>
+              </a:spcBef>
+              <a:spcAft>
+                <a:spcPct val="0"/>
+              </a:spcAft>
+              <a:defRPr>
+                <a:solidFill>
+                  <a:schemeClr val="tx1"/>
+                </a:solidFill>
+                <a:latin typeface="Arial" charset="0"/>
+                <a:ea typeface="Arial" charset="0"/>
+                <a:cs typeface="Arial" charset="0"/>
+              </a:defRPr>
+            </a:lvl8pPr>
+            <a:lvl9pPr marL="3886200" indent="-228600" eaLnBrk="0" fontAlgn="base" hangingPunct="0">
+              <a:spcBef>
+                <a:spcPct val="0"/>
+              </a:spcBef>
+              <a:spcAft>
+                <a:spcPct val="0"/>
+              </a:spcAft>
+              <a:defRPr>
+                <a:solidFill>
+                  <a:schemeClr val="tx1"/>
+                </a:solidFill>
+                <a:latin typeface="Arial" charset="0"/>
+                <a:ea typeface="Arial" charset="0"/>
+                <a:cs typeface="Arial" charset="0"/>
+              </a:defRPr>
+            </a:lvl9pPr>
+          </a:lstStyle>
+          <a:p>
+            <a:pPr eaLnBrk="1" hangingPunct="1"/>
+            <a:r>
+              <a:rPr lang="en-US"/>
+              <a:t>DES Short Course - Session 3</a:t>
+            </a:r>
+          </a:p>
+        </p:txBody>
+      </p:sp>
+      <p:sp>
+        <p:nvSpPr>
+          <p:cNvPr id="5126" name="Slide Number Placeholder 5"/>
+          <p:cNvSpPr>
+            <a:spLocks noGrp="1"/>
+          </p:cNvSpPr>
+          <p:nvPr>
+            <p:ph type="sldNum" sz="quarter" idx="12"/>
+          </p:nvPr>
+        </p:nvSpPr>
+        <p:spPr>
+          <a:noFill/>
+          <a:ln/>
+          <a:extLst>
+            <a:ext uri="{909E8E84-426E-40dd-AFC4-6F175D3DCCD1}">
+              <a14:hiddenFill xmlns:a14="http://schemas.microsoft.com/office/drawing/2010/main" xmlns="">
+                <a:solidFill>
+                  <a:srgbClr val="FFFFFF"/>
+                </a:solidFill>
+              </a14:hiddenFill>
+            </a:ext>
+            <a:ext uri="{91240B29-F687-4f45-9708-019B960494DF}">
+              <a14:hiddenLine xmlns:a14="http://schemas.microsoft.com/office/drawing/2010/main" xmlns="" w="9525">
+                <a:solidFill>
+                  <a:srgbClr val="000000"/>
+                </a:solidFill>
+                <a:miter lim="800000"/>
+                <a:headEnd/>
+                <a:tailEnd/>
+              </a14:hiddenLine>
+            </a:ext>
+          </a:extLst>
+        </p:spPr>
+        <p:txBody>
+          <a:bodyPr/>
+          <a:lstStyle>
+            <a:lvl1pPr eaLnBrk="0" hangingPunct="0">
+              <a:defRPr>
+                <a:solidFill>
+                  <a:schemeClr val="tx1"/>
+                </a:solidFill>
+                <a:latin typeface="Arial" charset="0"/>
+                <a:ea typeface="ＭＳ Ｐゴシック" charset="0"/>
+                <a:cs typeface="Arial" charset="0"/>
+              </a:defRPr>
+            </a:lvl1pPr>
+            <a:lvl2pPr marL="742950" indent="-285750" eaLnBrk="0" hangingPunct="0">
+              <a:defRPr>
+                <a:solidFill>
+                  <a:schemeClr val="tx1"/>
+                </a:solidFill>
+                <a:latin typeface="Arial" charset="0"/>
+                <a:ea typeface="Arial" charset="0"/>
+                <a:cs typeface="Arial" charset="0"/>
+              </a:defRPr>
+            </a:lvl2pPr>
+            <a:lvl3pPr marL="1143000" indent="-228600" eaLnBrk="0" hangingPunct="0">
+              <a:defRPr>
+                <a:solidFill>
+                  <a:schemeClr val="tx1"/>
+                </a:solidFill>
+                <a:latin typeface="Arial" charset="0"/>
+                <a:ea typeface="Arial" charset="0"/>
+                <a:cs typeface="Arial" charset="0"/>
+              </a:defRPr>
+            </a:lvl3pPr>
+            <a:lvl4pPr marL="1600200" indent="-228600" eaLnBrk="0" hangingPunct="0">
+              <a:defRPr>
+                <a:solidFill>
+                  <a:schemeClr val="tx1"/>
+                </a:solidFill>
+                <a:latin typeface="Arial" charset="0"/>
+                <a:ea typeface="Arial" charset="0"/>
+                <a:cs typeface="Arial" charset="0"/>
+              </a:defRPr>
+            </a:lvl4pPr>
+            <a:lvl5pPr marL="2057400" indent="-228600" eaLnBrk="0" hangingPunct="0">
+              <a:defRPr>
+                <a:solidFill>
+                  <a:schemeClr val="tx1"/>
+                </a:solidFill>
+                <a:latin typeface="Arial" charset="0"/>
+                <a:ea typeface="Arial" charset="0"/>
+                <a:cs typeface="Arial" charset="0"/>
+              </a:defRPr>
+            </a:lvl5pPr>
+            <a:lvl6pPr marL="2514600" indent="-228600" eaLnBrk="0" fontAlgn="base" hangingPunct="0">
+              <a:spcBef>
+                <a:spcPct val="0"/>
+              </a:spcBef>
+              <a:spcAft>
+                <a:spcPct val="0"/>
+              </a:spcAft>
+              <a:defRPr>
+                <a:solidFill>
+                  <a:schemeClr val="tx1"/>
+                </a:solidFill>
+                <a:latin typeface="Arial" charset="0"/>
+                <a:ea typeface="Arial" charset="0"/>
+                <a:cs typeface="Arial" charset="0"/>
+              </a:defRPr>
+            </a:lvl6pPr>
+            <a:lvl7pPr marL="2971800" indent="-228600" eaLnBrk="0" fontAlgn="base" hangingPunct="0">
+              <a:spcBef>
+                <a:spcPct val="0"/>
+              </a:spcBef>
+              <a:spcAft>
+                <a:spcPct val="0"/>
+              </a:spcAft>
+              <a:defRPr>
+                <a:solidFill>
+                  <a:schemeClr val="tx1"/>
+                </a:solidFill>
+                <a:latin typeface="Arial" charset="0"/>
+                <a:ea typeface="Arial" charset="0"/>
+                <a:cs typeface="Arial" charset="0"/>
+              </a:defRPr>
+            </a:lvl7pPr>
+            <a:lvl8pPr marL="3429000" indent="-228600" eaLnBrk="0" fontAlgn="base" hangingPunct="0">
+              <a:spcBef>
+                <a:spcPct val="0"/>
+              </a:spcBef>
+              <a:spcAft>
+                <a:spcPct val="0"/>
+              </a:spcAft>
+              <a:defRPr>
+                <a:solidFill>
+                  <a:schemeClr val="tx1"/>
+                </a:solidFill>
+                <a:latin typeface="Arial" charset="0"/>
+                <a:ea typeface="Arial" charset="0"/>
+                <a:cs typeface="Arial" charset="0"/>
+              </a:defRPr>
+            </a:lvl8pPr>
+            <a:lvl9pPr marL="3886200" indent="-228600" eaLnBrk="0" fontAlgn="base" hangingPunct="0">
+              <a:spcBef>
+                <a:spcPct val="0"/>
+              </a:spcBef>
+              <a:spcAft>
+                <a:spcPct val="0"/>
+              </a:spcAft>
+              <a:defRPr>
+                <a:solidFill>
+                  <a:schemeClr val="tx1"/>
+                </a:solidFill>
+                <a:latin typeface="Arial" charset="0"/>
+                <a:ea typeface="Arial" charset="0"/>
+                <a:cs typeface="Arial" charset="0"/>
+              </a:defRPr>
+            </a:lvl9pPr>
+          </a:lstStyle>
+          <a:p>
+            <a:pPr eaLnBrk="1" hangingPunct="1"/>
+            <a:fld id="{0CC95DD8-4E75-6F4B-8542-EBEFC79B842B}" type="slidenum">
+              <a:rPr lang="en-US"/>
+              <a:pPr eaLnBrk="1" hangingPunct="1"/>
+              <a:t>14</a:t>
+            </a:fld>
+            <a:endParaRPr lang="en-US"/>
           </a:p>
         </p:txBody>
       </p:sp>
@@ -9388,7 +9368,7 @@
           <a:graphicData uri="http://schemas.openxmlformats.org/presentationml/2006/ole">
             <mc:AlternateContent xmlns:mc="http://schemas.openxmlformats.org/markup-compatibility/2006">
               <mc:Choice xmlns:v="urn:schemas-microsoft-com:vml" Requires="v">
-                <p:oleObj spid="_x0000_s4101" r:id="rId4" imgW="720000" imgH="360000" progId="">
+                <p:oleObj spid="_x0000_s4105" r:id="rId4" imgW="720000" imgH="360000" progId="">
                   <p:embed/>
                 </p:oleObj>
               </mc:Choice>
@@ -9428,7 +9408,7 @@
                       <a:effectLst/>
                       <a:extLst>
                         <a:ext uri="{909E8E84-426E-40dd-AFC4-6F175D3DCCD1}">
-                          <a14:hiddenFill xmlns="" xmlns:a14="http://schemas.microsoft.com/office/drawing/2010/main">
+                          <a14:hiddenFill xmlns:a14="http://schemas.microsoft.com/office/drawing/2010/main" xmlns="">
                             <a:blipFill dpi="0" rotWithShape="0">
                               <a:blip/>
                               <a:srcRect/>
@@ -9439,7 +9419,7 @@
                           </a14:hiddenFill>
                         </a:ext>
                         <a:ext uri="{AF507438-7753-43e0-B8FC-AC1667EBCBE1}">
-                          <a14:hiddenEffects xmlns="" xmlns:a14="http://schemas.microsoft.com/office/drawing/2010/main">
+                          <a14:hiddenEffects xmlns:a14="http://schemas.microsoft.com/office/drawing/2010/main" xmlns="">
                             <a:effectLst>
                               <a:outerShdw blurRad="63500" dist="38099" dir="2700000" algn="ctr" rotWithShape="0">
                                 <a:srgbClr val="000000">
@@ -9474,7 +9454,7 @@
           <a:graphicData uri="http://schemas.openxmlformats.org/presentationml/2006/ole">
             <mc:AlternateContent xmlns:mc="http://schemas.openxmlformats.org/markup-compatibility/2006">
               <mc:Choice xmlns:v="urn:schemas-microsoft-com:vml" Requires="v">
-                <p:oleObj spid="_x0000_s4102" r:id="rId6" imgW="720000" imgH="360000" progId="">
+                <p:oleObj spid="_x0000_s4106" r:id="rId6" imgW="720000" imgH="360000" progId="">
                   <p:embed/>
                 </p:oleObj>
               </mc:Choice>
@@ -9514,7 +9494,7 @@
                       <a:effectLst/>
                       <a:extLst>
                         <a:ext uri="{909E8E84-426E-40dd-AFC4-6F175D3DCCD1}">
-                          <a14:hiddenFill xmlns="" xmlns:a14="http://schemas.microsoft.com/office/drawing/2010/main">
+                          <a14:hiddenFill xmlns:a14="http://schemas.microsoft.com/office/drawing/2010/main" xmlns="">
                             <a:blipFill dpi="0" rotWithShape="0">
                               <a:blip/>
                               <a:srcRect/>
@@ -9525,7 +9505,7 @@
                           </a14:hiddenFill>
                         </a:ext>
                         <a:ext uri="{AF507438-7753-43e0-B8FC-AC1667EBCBE1}">
-                          <a14:hiddenEffects xmlns="" xmlns:a14="http://schemas.microsoft.com/office/drawing/2010/main">
+                          <a14:hiddenEffects xmlns:a14="http://schemas.microsoft.com/office/drawing/2010/main" xmlns="">
                             <a:effectLst>
                               <a:outerShdw blurRad="63500" dist="38099" dir="2700000" algn="ctr" rotWithShape="0">
                                 <a:srgbClr val="000000">
@@ -9617,14 +9597,14 @@
           <a:ln/>
           <a:extLst>
             <a:ext uri="{909E8E84-426E-40dd-AFC4-6F175D3DCCD1}">
-              <a14:hiddenFill xmlns="" xmlns:a14="http://schemas.microsoft.com/office/drawing/2010/main">
+              <a14:hiddenFill xmlns:a14="http://schemas.microsoft.com/office/drawing/2010/main" xmlns="">
                 <a:solidFill>
                   <a:srgbClr val="FFFFFF"/>
                 </a:solidFill>
               </a14:hiddenFill>
             </a:ext>
             <a:ext uri="{91240B29-F687-4f45-9708-019B960494DF}">
-              <a14:hiddenLine xmlns="" xmlns:a14="http://schemas.microsoft.com/office/drawing/2010/main" w="9525">
+              <a14:hiddenLine xmlns:a14="http://schemas.microsoft.com/office/drawing/2010/main" xmlns="" w="9525">
                 <a:solidFill>
                   <a:srgbClr val="000000"/>
                 </a:solidFill>
@@ -9777,14 +9757,14 @@
           <a:ln/>
           <a:extLst>
             <a:ext uri="{909E8E84-426E-40dd-AFC4-6F175D3DCCD1}">
-              <a14:hiddenFill xmlns="" xmlns:a14="http://schemas.microsoft.com/office/drawing/2010/main">
+              <a14:hiddenFill xmlns:a14="http://schemas.microsoft.com/office/drawing/2010/main" xmlns="">
                 <a:solidFill>
                   <a:srgbClr val="FFFFFF"/>
                 </a:solidFill>
               </a14:hiddenFill>
             </a:ext>
             <a:ext uri="{91240B29-F687-4f45-9708-019B960494DF}">
-              <a14:hiddenLine xmlns="" xmlns:a14="http://schemas.microsoft.com/office/drawing/2010/main" w="9525">
+              <a14:hiddenLine xmlns:a14="http://schemas.microsoft.com/office/drawing/2010/main" xmlns="" w="9525">
                 <a:solidFill>
                   <a:srgbClr val="000000"/>
                 </a:solidFill>
@@ -10084,7 +10064,7 @@
           <a:graphicData uri="http://schemas.openxmlformats.org/presentationml/2006/ole">
             <mc:AlternateContent xmlns:mc="http://schemas.openxmlformats.org/markup-compatibility/2006">
               <mc:Choice xmlns:v="urn:schemas-microsoft-com:vml" Requires="v">
-                <p:oleObj spid="_x0000_s5125" name="Equation" r:id="rId3" imgW="1613296" imgH="394097" progId="Equation.3">
+                <p:oleObj spid="_x0000_s5129" name="Equation" r:id="rId3" imgW="1613296" imgH="394097" progId="Equation.3">
                   <p:embed/>
                 </p:oleObj>
               </mc:Choice>
@@ -10127,14 +10107,14 @@
                       <a:effectLst/>
                       <a:extLst>
                         <a:ext uri="{909E8E84-426E-40dd-AFC4-6F175D3DCCD1}">
-                          <a14:hiddenFill xmlns="" xmlns:a14="http://schemas.microsoft.com/office/drawing/2010/main">
+                          <a14:hiddenFill xmlns:a14="http://schemas.microsoft.com/office/drawing/2010/main" xmlns="">
                             <a:solidFill>
                               <a:srgbClr val="FFFFFF"/>
                             </a:solidFill>
                           </a14:hiddenFill>
                         </a:ext>
                         <a:ext uri="{91240B29-F687-4f45-9708-019B960494DF}">
-                          <a14:hiddenLine xmlns="" xmlns:a14="http://schemas.microsoft.com/office/drawing/2010/main" w="9525">
+                          <a14:hiddenLine xmlns:a14="http://schemas.microsoft.com/office/drawing/2010/main" xmlns="" w="9525">
                             <a:solidFill>
                               <a:srgbClr val="000000"/>
                             </a:solidFill>
@@ -10144,7 +10124,7 @@
                           </a14:hiddenLine>
                         </a:ext>
                         <a:ext uri="{AF507438-7753-43e0-B8FC-AC1667EBCBE1}">
-                          <a14:hiddenEffects xmlns="" xmlns:a14="http://schemas.microsoft.com/office/drawing/2010/main">
+                          <a14:hiddenEffects xmlns:a14="http://schemas.microsoft.com/office/drawing/2010/main" xmlns="">
                             <a:effectLst>
                               <a:outerShdw blurRad="63500" dist="38099" dir="2700000" algn="ctr" rotWithShape="0">
                                 <a:srgbClr val="808080">
@@ -10181,7 +10161,7 @@
           <a:graphicData uri="http://schemas.openxmlformats.org/presentationml/2006/ole">
             <mc:AlternateContent xmlns:mc="http://schemas.openxmlformats.org/markup-compatibility/2006">
               <mc:Choice xmlns:v="urn:schemas-microsoft-com:vml" Requires="v">
-                <p:oleObj spid="_x0000_s5126" name="Equation" r:id="rId5" imgW="1613296" imgH="394097" progId="Equation.3">
+                <p:oleObj spid="_x0000_s5130" name="Equation" r:id="rId5" imgW="1613296" imgH="394097" progId="Equation.3">
                   <p:embed/>
                 </p:oleObj>
               </mc:Choice>
@@ -10224,14 +10204,14 @@
                       <a:effectLst/>
                       <a:extLst>
                         <a:ext uri="{909E8E84-426E-40dd-AFC4-6F175D3DCCD1}">
-                          <a14:hiddenFill xmlns="" xmlns:a14="http://schemas.microsoft.com/office/drawing/2010/main">
+                          <a14:hiddenFill xmlns:a14="http://schemas.microsoft.com/office/drawing/2010/main" xmlns="">
                             <a:solidFill>
                               <a:srgbClr val="FFFFFF"/>
                             </a:solidFill>
                           </a14:hiddenFill>
                         </a:ext>
                         <a:ext uri="{91240B29-F687-4f45-9708-019B960494DF}">
-                          <a14:hiddenLine xmlns="" xmlns:a14="http://schemas.microsoft.com/office/drawing/2010/main" w="9525">
+                          <a14:hiddenLine xmlns:a14="http://schemas.microsoft.com/office/drawing/2010/main" xmlns="" w="9525">
                             <a:solidFill>
                               <a:srgbClr val="000000"/>
                             </a:solidFill>
@@ -10241,7 +10221,7 @@
                           </a14:hiddenLine>
                         </a:ext>
                         <a:ext uri="{AF507438-7753-43e0-B8FC-AC1667EBCBE1}">
-                          <a14:hiddenEffects xmlns="" xmlns:a14="http://schemas.microsoft.com/office/drawing/2010/main">
+                          <a14:hiddenEffects xmlns:a14="http://schemas.microsoft.com/office/drawing/2010/main" xmlns="">
                             <a:effectLst>
                               <a:outerShdw blurRad="63500" dist="38099" dir="2700000" algn="ctr" rotWithShape="0">
                                 <a:srgbClr val="808080">
@@ -10587,14 +10567,14 @@
           <a:ln/>
           <a:extLst>
             <a:ext uri="{909E8E84-426E-40dd-AFC4-6F175D3DCCD1}">
-              <a14:hiddenFill xmlns="" xmlns:a14="http://schemas.microsoft.com/office/drawing/2010/main">
+              <a14:hiddenFill xmlns:a14="http://schemas.microsoft.com/office/drawing/2010/main" xmlns="">
                 <a:solidFill>
                   <a:srgbClr val="FFFFFF"/>
                 </a:solidFill>
               </a14:hiddenFill>
             </a:ext>
             <a:ext uri="{91240B29-F687-4f45-9708-019B960494DF}">
-              <a14:hiddenLine xmlns="" xmlns:a14="http://schemas.microsoft.com/office/drawing/2010/main" w="9525">
+              <a14:hiddenLine xmlns:a14="http://schemas.microsoft.com/office/drawing/2010/main" xmlns="" w="9525">
                 <a:solidFill>
                   <a:srgbClr val="000000"/>
                 </a:solidFill>
@@ -10747,14 +10727,14 @@
           <a:ln/>
           <a:extLst>
             <a:ext uri="{909E8E84-426E-40dd-AFC4-6F175D3DCCD1}">
-              <a14:hiddenFill xmlns="" xmlns:a14="http://schemas.microsoft.com/office/drawing/2010/main">
+              <a14:hiddenFill xmlns:a14="http://schemas.microsoft.com/office/drawing/2010/main" xmlns="">
                 <a:solidFill>
                   <a:srgbClr val="FFFFFF"/>
                 </a:solidFill>
               </a14:hiddenFill>
             </a:ext>
             <a:ext uri="{91240B29-F687-4f45-9708-019B960494DF}">
-              <a14:hiddenLine xmlns="" xmlns:a14="http://schemas.microsoft.com/office/drawing/2010/main" w="9525">
+              <a14:hiddenLine xmlns:a14="http://schemas.microsoft.com/office/drawing/2010/main" xmlns="" w="9525">
                 <a:solidFill>
                   <a:srgbClr val="000000"/>
                 </a:solidFill>
@@ -11837,14 +11817,14 @@
           <a:ln/>
           <a:extLst>
             <a:ext uri="{909E8E84-426E-40dd-AFC4-6F175D3DCCD1}">
-              <a14:hiddenFill xmlns="" xmlns:a14="http://schemas.microsoft.com/office/drawing/2010/main">
+              <a14:hiddenFill xmlns:a14="http://schemas.microsoft.com/office/drawing/2010/main" xmlns="">
                 <a:solidFill>
                   <a:srgbClr val="FFFFFF"/>
                 </a:solidFill>
               </a14:hiddenFill>
             </a:ext>
             <a:ext uri="{91240B29-F687-4f45-9708-019B960494DF}">
-              <a14:hiddenLine xmlns="" xmlns:a14="http://schemas.microsoft.com/office/drawing/2010/main" w="9525">
+              <a14:hiddenLine xmlns:a14="http://schemas.microsoft.com/office/drawing/2010/main" xmlns="" w="9525">
                 <a:solidFill>
                   <a:srgbClr val="000000"/>
                 </a:solidFill>
@@ -11997,14 +11977,14 @@
           <a:ln/>
           <a:extLst>
             <a:ext uri="{909E8E84-426E-40dd-AFC4-6F175D3DCCD1}">
-              <a14:hiddenFill xmlns="" xmlns:a14="http://schemas.microsoft.com/office/drawing/2010/main">
+              <a14:hiddenFill xmlns:a14="http://schemas.microsoft.com/office/drawing/2010/main" xmlns="">
                 <a:solidFill>
                   <a:srgbClr val="FFFFFF"/>
                 </a:solidFill>
               </a14:hiddenFill>
             </a:ext>
             <a:ext uri="{91240B29-F687-4f45-9708-019B960494DF}">
-              <a14:hiddenLine xmlns="" xmlns:a14="http://schemas.microsoft.com/office/drawing/2010/main" w="9525">
+              <a14:hiddenLine xmlns:a14="http://schemas.microsoft.com/office/drawing/2010/main" xmlns="" w="9525">
                 <a:solidFill>
                   <a:srgbClr val="000000"/>
                 </a:solidFill>
@@ -12238,7 +12218,7 @@
           <a:graphicData uri="http://schemas.openxmlformats.org/presentationml/2006/ole">
             <mc:AlternateContent xmlns:mc="http://schemas.openxmlformats.org/markup-compatibility/2006">
               <mc:Choice xmlns:v="urn:schemas-microsoft-com:vml" Requires="v">
-                <p:oleObj spid="_x0000_s1029" name="Equation" r:id="rId3" imgW="825897" imgH="432197" progId="Equation.3">
+                <p:oleObj spid="_x0000_s1033" name="Equation" r:id="rId3" imgW="825897" imgH="432197" progId="Equation.3">
                   <p:embed/>
                 </p:oleObj>
               </mc:Choice>
@@ -12281,14 +12261,14 @@
                       <a:effectLst/>
                       <a:extLst>
                         <a:ext uri="{909E8E84-426E-40dd-AFC4-6F175D3DCCD1}">
-                          <a14:hiddenFill xmlns="" xmlns:a14="http://schemas.microsoft.com/office/drawing/2010/main">
+                          <a14:hiddenFill xmlns:a14="http://schemas.microsoft.com/office/drawing/2010/main" xmlns="">
                             <a:solidFill>
                               <a:srgbClr val="FFFFFF"/>
                             </a:solidFill>
                           </a14:hiddenFill>
                         </a:ext>
                         <a:ext uri="{91240B29-F687-4f45-9708-019B960494DF}">
-                          <a14:hiddenLine xmlns="" xmlns:a14="http://schemas.microsoft.com/office/drawing/2010/main" w="9525">
+                          <a14:hiddenLine xmlns:a14="http://schemas.microsoft.com/office/drawing/2010/main" xmlns="" w="9525">
                             <a:solidFill>
                               <a:srgbClr val="000000"/>
                             </a:solidFill>
@@ -12298,7 +12278,7 @@
                           </a14:hiddenLine>
                         </a:ext>
                         <a:ext uri="{AF507438-7753-43e0-B8FC-AC1667EBCBE1}">
-                          <a14:hiddenEffects xmlns="" xmlns:a14="http://schemas.microsoft.com/office/drawing/2010/main">
+                          <a14:hiddenEffects xmlns:a14="http://schemas.microsoft.com/office/drawing/2010/main" xmlns="">
                             <a:effectLst>
                               <a:outerShdw blurRad="63500" dist="38099" dir="2700000" algn="ctr" rotWithShape="0">
                                 <a:srgbClr val="808080">
@@ -12335,7 +12315,7 @@
           <a:graphicData uri="http://schemas.openxmlformats.org/presentationml/2006/ole">
             <mc:AlternateContent xmlns:mc="http://schemas.openxmlformats.org/markup-compatibility/2006">
               <mc:Choice xmlns:v="urn:schemas-microsoft-com:vml" Requires="v">
-                <p:oleObj spid="_x0000_s1030" name="Equation" r:id="rId5" imgW="838233" imgH="432009" progId="Equation.3">
+                <p:oleObj spid="_x0000_s1034" name="Equation" r:id="rId5" imgW="838233" imgH="432009" progId="Equation.3">
                   <p:embed/>
                 </p:oleObj>
               </mc:Choice>
@@ -12378,14 +12358,14 @@
                       <a:effectLst/>
                       <a:extLst>
                         <a:ext uri="{909E8E84-426E-40dd-AFC4-6F175D3DCCD1}">
-                          <a14:hiddenFill xmlns="" xmlns:a14="http://schemas.microsoft.com/office/drawing/2010/main">
+                          <a14:hiddenFill xmlns:a14="http://schemas.microsoft.com/office/drawing/2010/main" xmlns="">
                             <a:solidFill>
                               <a:srgbClr val="FFFFFF"/>
                             </a:solidFill>
                           </a14:hiddenFill>
                         </a:ext>
                         <a:ext uri="{91240B29-F687-4f45-9708-019B960494DF}">
-                          <a14:hiddenLine xmlns="" xmlns:a14="http://schemas.microsoft.com/office/drawing/2010/main" w="9525">
+                          <a14:hiddenLine xmlns:a14="http://schemas.microsoft.com/office/drawing/2010/main" xmlns="" w="9525">
                             <a:solidFill>
                               <a:srgbClr val="000000"/>
                             </a:solidFill>
@@ -12395,7 +12375,7 @@
                           </a14:hiddenLine>
                         </a:ext>
                         <a:ext uri="{AF507438-7753-43e0-B8FC-AC1667EBCBE1}">
-                          <a14:hiddenEffects xmlns="" xmlns:a14="http://schemas.microsoft.com/office/drawing/2010/main">
+                          <a14:hiddenEffects xmlns:a14="http://schemas.microsoft.com/office/drawing/2010/main" xmlns="">
                             <a:effectLst>
                               <a:outerShdw blurRad="63500" dist="38099" dir="2700000" algn="ctr" rotWithShape="0">
                                 <a:srgbClr val="808080">
@@ -12459,14 +12439,14 @@
           <a:ln/>
           <a:extLst>
             <a:ext uri="{909E8E84-426E-40dd-AFC4-6F175D3DCCD1}">
-              <a14:hiddenFill xmlns="" xmlns:a14="http://schemas.microsoft.com/office/drawing/2010/main">
+              <a14:hiddenFill xmlns:a14="http://schemas.microsoft.com/office/drawing/2010/main" xmlns="">
                 <a:solidFill>
                   <a:srgbClr val="FFFFFF"/>
                 </a:solidFill>
               </a14:hiddenFill>
             </a:ext>
             <a:ext uri="{91240B29-F687-4f45-9708-019B960494DF}">
-              <a14:hiddenLine xmlns="" xmlns:a14="http://schemas.microsoft.com/office/drawing/2010/main" w="9525">
+              <a14:hiddenLine xmlns:a14="http://schemas.microsoft.com/office/drawing/2010/main" xmlns="" w="9525">
                 <a:solidFill>
                   <a:srgbClr val="000000"/>
                 </a:solidFill>
@@ -12619,14 +12599,14 @@
           <a:ln/>
           <a:extLst>
             <a:ext uri="{909E8E84-426E-40dd-AFC4-6F175D3DCCD1}">
-              <a14:hiddenFill xmlns="" xmlns:a14="http://schemas.microsoft.com/office/drawing/2010/main">
+              <a14:hiddenFill xmlns:a14="http://schemas.microsoft.com/office/drawing/2010/main" xmlns="">
                 <a:solidFill>
                   <a:srgbClr val="FFFFFF"/>
                 </a:solidFill>
               </a14:hiddenFill>
             </a:ext>
             <a:ext uri="{91240B29-F687-4f45-9708-019B960494DF}">
-              <a14:hiddenLine xmlns="" xmlns:a14="http://schemas.microsoft.com/office/drawing/2010/main" w="9525">
+              <a14:hiddenLine xmlns:a14="http://schemas.microsoft.com/office/drawing/2010/main" xmlns="" w="9525">
                 <a:solidFill>
                   <a:srgbClr val="000000"/>
                 </a:solidFill>
@@ -12838,14 +12818,14 @@
           </a:ln>
           <a:extLst>
             <a:ext uri="{909E8E84-426E-40dd-AFC4-6F175D3DCCD1}">
-              <a14:hiddenFill xmlns="" xmlns:a14="http://schemas.microsoft.com/office/drawing/2010/main">
+              <a14:hiddenFill xmlns:a14="http://schemas.microsoft.com/office/drawing/2010/main" xmlns="">
                 <a:solidFill>
                   <a:srgbClr val="FFFFFF"/>
                 </a:solidFill>
               </a14:hiddenFill>
             </a:ext>
             <a:ext uri="{91240B29-F687-4f45-9708-019B960494DF}">
-              <a14:hiddenLine xmlns="" xmlns:a14="http://schemas.microsoft.com/office/drawing/2010/main" w="9525">
+              <a14:hiddenLine xmlns:a14="http://schemas.microsoft.com/office/drawing/2010/main" xmlns="" w="9525">
                 <a:solidFill>
                   <a:srgbClr val="000000"/>
                 </a:solidFill>
